--- a/report/Fig/Figs_Environment_to_take_pictures.pptx
+++ b/report/Fig/Figs_Environment_to_take_pictures.pptx
@@ -5,9 +5,11 @@
     <p:sldMasterId id="2147483648" r:id="rId1"/>
   </p:sldMasterIdLst>
   <p:sldIdLst>
-    <p:sldId id="256" r:id="rId2"/>
-    <p:sldId id="257" r:id="rId3"/>
-    <p:sldId id="258" r:id="rId4"/>
+    <p:sldId id="259" r:id="rId2"/>
+    <p:sldId id="256" r:id="rId3"/>
+    <p:sldId id="257" r:id="rId4"/>
+    <p:sldId id="258" r:id="rId5"/>
+    <p:sldId id="260" r:id="rId6"/>
   </p:sldIdLst>
   <p:sldSz cx="12192000" cy="6858000"/>
   <p:notesSz cx="6858000" cy="9144000"/>
@@ -245,7 +247,7 @@
           <a:p>
             <a:fld id="{10C9C662-03AB-4E37-8242-45C26684186D}" type="datetimeFigureOut">
               <a:rPr lang="en-US" smtClean="0"/>
-              <a:t>1/29/2019</a:t>
+              <a:t>2/7/2019</a:t>
             </a:fld>
             <a:endParaRPr lang="en-US"/>
           </a:p>
@@ -447,7 +449,7 @@
           <a:p>
             <a:fld id="{10C9C662-03AB-4E37-8242-45C26684186D}" type="datetimeFigureOut">
               <a:rPr lang="en-US" smtClean="0"/>
-              <a:t>1/29/2019</a:t>
+              <a:t>2/7/2019</a:t>
             </a:fld>
             <a:endParaRPr lang="en-US"/>
           </a:p>
@@ -659,7 +661,7 @@
           <a:p>
             <a:fld id="{10C9C662-03AB-4E37-8242-45C26684186D}" type="datetimeFigureOut">
               <a:rPr lang="en-US" smtClean="0"/>
-              <a:t>1/29/2019</a:t>
+              <a:t>2/7/2019</a:t>
             </a:fld>
             <a:endParaRPr lang="en-US"/>
           </a:p>
@@ -861,7 +863,7 @@
           <a:p>
             <a:fld id="{10C9C662-03AB-4E37-8242-45C26684186D}" type="datetimeFigureOut">
               <a:rPr lang="en-US" smtClean="0"/>
-              <a:t>1/29/2019</a:t>
+              <a:t>2/7/2019</a:t>
             </a:fld>
             <a:endParaRPr lang="en-US"/>
           </a:p>
@@ -1107,7 +1109,7 @@
           <a:p>
             <a:fld id="{10C9C662-03AB-4E37-8242-45C26684186D}" type="datetimeFigureOut">
               <a:rPr lang="en-US" smtClean="0"/>
-              <a:t>1/29/2019</a:t>
+              <a:t>2/7/2019</a:t>
             </a:fld>
             <a:endParaRPr lang="en-US"/>
           </a:p>
@@ -1403,7 +1405,7 @@
           <a:p>
             <a:fld id="{10C9C662-03AB-4E37-8242-45C26684186D}" type="datetimeFigureOut">
               <a:rPr lang="en-US" smtClean="0"/>
-              <a:t>1/29/2019</a:t>
+              <a:t>2/7/2019</a:t>
             </a:fld>
             <a:endParaRPr lang="en-US"/>
           </a:p>
@@ -1834,7 +1836,7 @@
           <a:p>
             <a:fld id="{10C9C662-03AB-4E37-8242-45C26684186D}" type="datetimeFigureOut">
               <a:rPr lang="en-US" smtClean="0"/>
-              <a:t>1/29/2019</a:t>
+              <a:t>2/7/2019</a:t>
             </a:fld>
             <a:endParaRPr lang="en-US"/>
           </a:p>
@@ -1952,7 +1954,7 @@
           <a:p>
             <a:fld id="{10C9C662-03AB-4E37-8242-45C26684186D}" type="datetimeFigureOut">
               <a:rPr lang="en-US" smtClean="0"/>
-              <a:t>1/29/2019</a:t>
+              <a:t>2/7/2019</a:t>
             </a:fld>
             <a:endParaRPr lang="en-US"/>
           </a:p>
@@ -2047,7 +2049,7 @@
           <a:p>
             <a:fld id="{10C9C662-03AB-4E37-8242-45C26684186D}" type="datetimeFigureOut">
               <a:rPr lang="en-US" smtClean="0"/>
-              <a:t>1/29/2019</a:t>
+              <a:t>2/7/2019</a:t>
             </a:fld>
             <a:endParaRPr lang="en-US"/>
           </a:p>
@@ -2356,7 +2358,7 @@
           <a:p>
             <a:fld id="{10C9C662-03AB-4E37-8242-45C26684186D}" type="datetimeFigureOut">
               <a:rPr lang="en-US" smtClean="0"/>
-              <a:t>1/29/2019</a:t>
+              <a:t>2/7/2019</a:t>
             </a:fld>
             <a:endParaRPr lang="en-US"/>
           </a:p>
@@ -2609,7 +2611,7 @@
           <a:p>
             <a:fld id="{10C9C662-03AB-4E37-8242-45C26684186D}" type="datetimeFigureOut">
               <a:rPr lang="en-US" smtClean="0"/>
-              <a:t>1/29/2019</a:t>
+              <a:t>2/7/2019</a:t>
             </a:fld>
             <a:endParaRPr lang="en-US"/>
           </a:p>
@@ -2854,7 +2856,7 @@
           <a:p>
             <a:fld id="{10C9C662-03AB-4E37-8242-45C26684186D}" type="datetimeFigureOut">
               <a:rPr lang="en-US" smtClean="0"/>
-              <a:t>1/29/2019</a:t>
+              <a:t>2/7/2019</a:t>
             </a:fld>
             <a:endParaRPr lang="en-US"/>
           </a:p>
@@ -3259,50 +3261,138 @@
           <a:chExt cx="0" cy="0"/>
         </a:xfrm>
       </p:grpSpPr>
+      <p:sp>
+        <p:nvSpPr>
+          <p:cNvPr id="5" name="角丸四角形 4"/>
+          <p:cNvSpPr/>
+          <p:nvPr/>
+        </p:nvSpPr>
+        <p:spPr>
+          <a:xfrm>
+            <a:off x="2807224" y="2763747"/>
+            <a:ext cx="1554480" cy="640080"/>
+          </a:xfrm>
+          <a:prstGeom prst="roundRect">
+            <a:avLst/>
+          </a:prstGeom>
+          <a:pattFill prst="pct30">
+            <a:fgClr>
+              <a:schemeClr val="bg1">
+                <a:lumMod val="50000"/>
+              </a:schemeClr>
+            </a:fgClr>
+            <a:bgClr>
+              <a:schemeClr val="bg1"/>
+            </a:bgClr>
+          </a:pattFill>
+          <a:ln>
+            <a:solidFill>
+              <a:schemeClr val="tx1">
+                <a:lumMod val="65000"/>
+                <a:lumOff val="35000"/>
+              </a:schemeClr>
+            </a:solidFill>
+          </a:ln>
+        </p:spPr>
+        <p:style>
+          <a:lnRef idx="2">
+            <a:schemeClr val="accent1">
+              <a:shade val="50000"/>
+            </a:schemeClr>
+          </a:lnRef>
+          <a:fillRef idx="1">
+            <a:schemeClr val="accent1"/>
+          </a:fillRef>
+          <a:effectRef idx="0">
+            <a:schemeClr val="accent1"/>
+          </a:effectRef>
+          <a:fontRef idx="minor">
+            <a:schemeClr val="lt1"/>
+          </a:fontRef>
+        </p:style>
+        <p:txBody>
+          <a:bodyPr rtlCol="0" anchor="ctr"/>
+          <a:lstStyle/>
+          <a:p>
+            <a:pPr algn="ctr"/>
+            <a:endParaRPr lang="en-US"/>
+          </a:p>
+        </p:txBody>
+      </p:sp>
+      <p:sp>
+        <p:nvSpPr>
+          <p:cNvPr id="6" name="テキスト ボックス 5"/>
+          <p:cNvSpPr txBox="1"/>
+          <p:nvPr/>
+        </p:nvSpPr>
+        <p:spPr>
+          <a:xfrm>
+            <a:off x="3371852" y="1869656"/>
+            <a:ext cx="890437" cy="276999"/>
+          </a:xfrm>
+          <a:prstGeom prst="rect">
+            <a:avLst/>
+          </a:prstGeom>
+          <a:noFill/>
+        </p:spPr>
+        <p:txBody>
+          <a:bodyPr wrap="none" rtlCol="0">
+            <a:spAutoFit/>
+          </a:bodyPr>
+          <a:lstStyle/>
+          <a:p>
+            <a:r>
+              <a:rPr lang="en-US" sz="1200" dirty="0" smtClean="0">
+                <a:latin typeface="Times New Roman" panose="02020603050405020304" pitchFamily="18" charset="0"/>
+                <a:cs typeface="Times New Roman" panose="02020603050405020304" pitchFamily="18" charset="0"/>
+              </a:rPr>
+              <a:t>Toilet bowl</a:t>
+            </a:r>
+          </a:p>
+        </p:txBody>
+      </p:sp>
       <p:grpSp>
         <p:nvGrpSpPr>
-          <p:cNvPr id="3" name="グループ化 2"/>
+          <p:cNvPr id="7" name="グループ化 6"/>
           <p:cNvGrpSpPr/>
           <p:nvPr/>
         </p:nvGrpSpPr>
         <p:grpSpPr>
           <a:xfrm>
-            <a:off x="2807224" y="1791673"/>
-            <a:ext cx="3575284" cy="1985520"/>
-            <a:chOff x="2807224" y="1791673"/>
-            <a:chExt cx="3575284" cy="1985520"/>
+            <a:off x="5654561" y="2953612"/>
+            <a:ext cx="322730" cy="260350"/>
+            <a:chOff x="6052110" y="2671295"/>
+            <a:chExt cx="322730" cy="260350"/>
           </a:xfrm>
+          <a:pattFill prst="pct70">
+            <a:fgClr>
+              <a:schemeClr val="bg1">
+                <a:lumMod val="50000"/>
+              </a:schemeClr>
+            </a:fgClr>
+            <a:bgClr>
+              <a:schemeClr val="bg1"/>
+            </a:bgClr>
+          </a:pattFill>
         </p:grpSpPr>
         <p:sp>
           <p:nvSpPr>
-            <p:cNvPr id="5" name="角丸四角形 4"/>
+            <p:cNvPr id="16" name="正方形/長方形 15"/>
             <p:cNvSpPr/>
             <p:nvPr/>
           </p:nvSpPr>
           <p:spPr>
             <a:xfrm>
-              <a:off x="2807224" y="2763747"/>
-              <a:ext cx="1554480" cy="640080"/>
+              <a:off x="6114490" y="2712570"/>
+              <a:ext cx="260350" cy="177800"/>
             </a:xfrm>
-            <a:prstGeom prst="roundRect">
+            <a:prstGeom prst="rect">
               <a:avLst/>
             </a:prstGeom>
-            <a:pattFill prst="pct30">
-              <a:fgClr>
-                <a:schemeClr val="bg1">
-                  <a:lumMod val="50000"/>
-                </a:schemeClr>
-              </a:fgClr>
-              <a:bgClr>
-                <a:schemeClr val="bg1"/>
-              </a:bgClr>
-            </a:pattFill>
+            <a:grpFill/>
             <a:ln>
               <a:solidFill>
-                <a:schemeClr val="tx1">
-                  <a:lumMod val="65000"/>
-                  <a:lumOff val="35000"/>
-                </a:schemeClr>
+                <a:schemeClr val="tx1"/>
               </a:solidFill>
             </a:ln>
           </p:spPr>
@@ -3333,13 +3423,446 @@
         </p:sp>
         <p:sp>
           <p:nvSpPr>
+            <p:cNvPr id="17" name="二等辺三角形 16"/>
+            <p:cNvSpPr/>
+            <p:nvPr/>
+          </p:nvSpPr>
+          <p:spPr>
+            <a:xfrm rot="5400000">
+              <a:off x="5953125" y="2770280"/>
+              <a:ext cx="260350" cy="62380"/>
+            </a:xfrm>
+            <a:prstGeom prst="triangle">
+              <a:avLst/>
+            </a:prstGeom>
+            <a:grpFill/>
+            <a:ln>
+              <a:solidFill>
+                <a:schemeClr val="tx1"/>
+              </a:solidFill>
+            </a:ln>
+          </p:spPr>
+          <p:style>
+            <a:lnRef idx="2">
+              <a:schemeClr val="accent1">
+                <a:shade val="50000"/>
+              </a:schemeClr>
+            </a:lnRef>
+            <a:fillRef idx="1">
+              <a:schemeClr val="accent1"/>
+            </a:fillRef>
+            <a:effectRef idx="0">
+              <a:schemeClr val="accent1"/>
+            </a:effectRef>
+            <a:fontRef idx="minor">
+              <a:schemeClr val="lt1"/>
+            </a:fontRef>
+          </p:style>
+          <p:txBody>
+            <a:bodyPr rtlCol="0" anchor="ctr"/>
+            <a:lstStyle/>
+            <a:p>
+              <a:pPr algn="ctr"/>
+              <a:endParaRPr lang="en-US"/>
+            </a:p>
+          </p:txBody>
+        </p:sp>
+      </p:grpSp>
+      <p:cxnSp>
+        <p:nvCxnSpPr>
+          <p:cNvPr id="8" name="直線コネクタ 7"/>
+          <p:cNvCxnSpPr/>
+          <p:nvPr/>
+        </p:nvCxnSpPr>
+        <p:spPr>
+          <a:xfrm flipV="1">
+            <a:off x="4368053" y="2388347"/>
+            <a:ext cx="0" cy="1048497"/>
+          </a:xfrm>
+          <a:prstGeom prst="line">
+            <a:avLst/>
+          </a:prstGeom>
+          <a:ln>
+            <a:solidFill>
+              <a:schemeClr val="tx1"/>
+            </a:solidFill>
+          </a:ln>
+        </p:spPr>
+        <p:style>
+          <a:lnRef idx="1">
+            <a:schemeClr val="accent1"/>
+          </a:lnRef>
+          <a:fillRef idx="0">
+            <a:schemeClr val="accent1"/>
+          </a:fillRef>
+          <a:effectRef idx="0">
+            <a:schemeClr val="accent1"/>
+          </a:effectRef>
+          <a:fontRef idx="minor">
+            <a:schemeClr val="tx1"/>
+          </a:fontRef>
+        </p:style>
+      </p:cxnSp>
+      <p:cxnSp>
+        <p:nvCxnSpPr>
+          <p:cNvPr id="9" name="直線コネクタ 8"/>
+          <p:cNvCxnSpPr/>
+          <p:nvPr/>
+        </p:nvCxnSpPr>
+        <p:spPr>
+          <a:xfrm flipV="1">
+            <a:off x="5648212" y="2388347"/>
+            <a:ext cx="0" cy="1048497"/>
+          </a:xfrm>
+          <a:prstGeom prst="line">
+            <a:avLst/>
+          </a:prstGeom>
+          <a:ln>
+            <a:solidFill>
+              <a:schemeClr val="tx1"/>
+            </a:solidFill>
+          </a:ln>
+        </p:spPr>
+        <p:style>
+          <a:lnRef idx="1">
+            <a:schemeClr val="accent1"/>
+          </a:lnRef>
+          <a:fillRef idx="0">
+            <a:schemeClr val="accent1"/>
+          </a:fillRef>
+          <a:effectRef idx="0">
+            <a:schemeClr val="accent1"/>
+          </a:effectRef>
+          <a:fontRef idx="minor">
+            <a:schemeClr val="tx1"/>
+          </a:fontRef>
+        </p:style>
+      </p:cxnSp>
+      <p:cxnSp>
+        <p:nvCxnSpPr>
+          <p:cNvPr id="10" name="直線コネクタ 9"/>
+          <p:cNvCxnSpPr/>
+          <p:nvPr/>
+        </p:nvCxnSpPr>
+        <p:spPr>
+          <a:xfrm>
+            <a:off x="4368052" y="2455395"/>
+            <a:ext cx="1280160" cy="0"/>
+          </a:xfrm>
+          <a:prstGeom prst="line">
+            <a:avLst/>
+          </a:prstGeom>
+          <a:ln w="6350">
+            <a:solidFill>
+              <a:schemeClr val="tx1"/>
+            </a:solidFill>
+            <a:headEnd type="arrow" w="med" len="med"/>
+            <a:tailEnd type="arrow" w="med" len="med"/>
+          </a:ln>
+        </p:spPr>
+        <p:style>
+          <a:lnRef idx="1">
+            <a:schemeClr val="accent1"/>
+          </a:lnRef>
+          <a:fillRef idx="0">
+            <a:schemeClr val="accent1"/>
+          </a:fillRef>
+          <a:effectRef idx="0">
+            <a:schemeClr val="accent1"/>
+          </a:effectRef>
+          <a:fontRef idx="minor">
+            <a:schemeClr val="tx1"/>
+          </a:fontRef>
+        </p:style>
+      </p:cxnSp>
+      <p:sp>
+        <p:nvSpPr>
+          <p:cNvPr id="11" name="テキスト ボックス 10"/>
+          <p:cNvSpPr txBox="1"/>
+          <p:nvPr/>
+        </p:nvSpPr>
+        <p:spPr>
+          <a:xfrm>
+            <a:off x="4800384" y="2212389"/>
+            <a:ext cx="415498" cy="276999"/>
+          </a:xfrm>
+          <a:prstGeom prst="rect">
+            <a:avLst/>
+          </a:prstGeom>
+          <a:noFill/>
+        </p:spPr>
+        <p:txBody>
+          <a:bodyPr wrap="none" rtlCol="0">
+            <a:spAutoFit/>
+          </a:bodyPr>
+          <a:lstStyle/>
+          <a:p>
+            <a:r>
+              <a:rPr lang="en-US" sz="1200" dirty="0" smtClean="0">
+                <a:latin typeface="Times New Roman" panose="02020603050405020304" pitchFamily="18" charset="0"/>
+                <a:cs typeface="Times New Roman" panose="02020603050405020304" pitchFamily="18" charset="0"/>
+              </a:rPr>
+              <a:t>800</a:t>
+            </a:r>
+            <a:endParaRPr lang="en-US" sz="1200" dirty="0">
+              <a:latin typeface="Times New Roman" panose="02020603050405020304" pitchFamily="18" charset="0"/>
+              <a:cs typeface="Times New Roman" panose="02020603050405020304" pitchFamily="18" charset="0"/>
+            </a:endParaRPr>
+          </a:p>
+        </p:txBody>
+      </p:sp>
+      <p:sp>
+        <p:nvSpPr>
+          <p:cNvPr id="12" name="テキスト ボックス 11"/>
+          <p:cNvSpPr txBox="1"/>
+          <p:nvPr/>
+        </p:nvSpPr>
+        <p:spPr>
+          <a:xfrm>
+            <a:off x="5716941" y="2707108"/>
+            <a:ext cx="665567" cy="276999"/>
+          </a:xfrm>
+          <a:prstGeom prst="rect">
+            <a:avLst/>
+          </a:prstGeom>
+          <a:noFill/>
+        </p:spPr>
+        <p:txBody>
+          <a:bodyPr wrap="none" rtlCol="0">
+            <a:spAutoFit/>
+          </a:bodyPr>
+          <a:lstStyle/>
+          <a:p>
+            <a:r>
+              <a:rPr lang="en-US" sz="1200" dirty="0" smtClean="0">
+                <a:latin typeface="Times New Roman" panose="02020603050405020304" pitchFamily="18" charset="0"/>
+                <a:cs typeface="Times New Roman" panose="02020603050405020304" pitchFamily="18" charset="0"/>
+              </a:rPr>
+              <a:t>Camera</a:t>
+            </a:r>
+            <a:endParaRPr lang="en-US" dirty="0" smtClean="0">
+              <a:latin typeface="Times New Roman" panose="02020603050405020304" pitchFamily="18" charset="0"/>
+              <a:cs typeface="Times New Roman" panose="02020603050405020304" pitchFamily="18" charset="0"/>
+            </a:endParaRPr>
+          </a:p>
+        </p:txBody>
+      </p:sp>
+      <p:sp>
+        <p:nvSpPr>
+          <p:cNvPr id="13" name="テキスト ボックス 12"/>
+          <p:cNvSpPr txBox="1"/>
+          <p:nvPr/>
+        </p:nvSpPr>
+        <p:spPr>
+          <a:xfrm>
+            <a:off x="5521375" y="3500194"/>
+            <a:ext cx="861133" cy="276999"/>
+          </a:xfrm>
+          <a:prstGeom prst="rect">
+            <a:avLst/>
+          </a:prstGeom>
+          <a:noFill/>
+        </p:spPr>
+        <p:txBody>
+          <a:bodyPr wrap="none" rtlCol="0">
+            <a:spAutoFit/>
+          </a:bodyPr>
+          <a:lstStyle/>
+          <a:p>
+            <a:r>
+              <a:rPr lang="en-US" sz="1200" dirty="0" smtClean="0">
+                <a:latin typeface="Times New Roman" panose="02020603050405020304" pitchFamily="18" charset="0"/>
+                <a:cs typeface="Times New Roman" panose="02020603050405020304" pitchFamily="18" charset="0"/>
+              </a:rPr>
+              <a:t>Units[mm]</a:t>
+            </a:r>
+            <a:endParaRPr lang="en-US" dirty="0"/>
+          </a:p>
+        </p:txBody>
+      </p:sp>
+      <p:cxnSp>
+        <p:nvCxnSpPr>
+          <p:cNvPr id="14" name="直線コネクタ 13"/>
+          <p:cNvCxnSpPr/>
+          <p:nvPr/>
+        </p:nvCxnSpPr>
+        <p:spPr>
+          <a:xfrm>
+            <a:off x="4368052" y="3088686"/>
+            <a:ext cx="1280160" cy="0"/>
+          </a:xfrm>
+          <a:prstGeom prst="line">
+            <a:avLst/>
+          </a:prstGeom>
+          <a:ln w="12700">
+            <a:solidFill>
+              <a:schemeClr val="tx1"/>
+            </a:solidFill>
+            <a:prstDash val="dash"/>
+          </a:ln>
+        </p:spPr>
+        <p:style>
+          <a:lnRef idx="1">
+            <a:schemeClr val="accent1"/>
+          </a:lnRef>
+          <a:fillRef idx="0">
+            <a:schemeClr val="accent1"/>
+          </a:fillRef>
+          <a:effectRef idx="0">
+            <a:schemeClr val="accent1"/>
+          </a:effectRef>
+          <a:fontRef idx="minor">
+            <a:schemeClr val="tx1"/>
+          </a:fontRef>
+        </p:style>
+      </p:cxnSp>
+      <p:sp>
+        <p:nvSpPr>
+          <p:cNvPr id="15" name="角丸四角形 14"/>
+          <p:cNvSpPr/>
+          <p:nvPr/>
+        </p:nvSpPr>
+        <p:spPr>
+          <a:xfrm rot="15603807">
+            <a:off x="2687166" y="2173701"/>
+            <a:ext cx="983504" cy="219448"/>
+          </a:xfrm>
+          <a:prstGeom prst="roundRect">
+            <a:avLst/>
+          </a:prstGeom>
+          <a:pattFill prst="pct30">
+            <a:fgClr>
+              <a:schemeClr val="bg1">
+                <a:lumMod val="50000"/>
+              </a:schemeClr>
+            </a:fgClr>
+            <a:bgClr>
+              <a:schemeClr val="bg1"/>
+            </a:bgClr>
+          </a:pattFill>
+          <a:ln>
+            <a:solidFill>
+              <a:schemeClr val="tx1">
+                <a:lumMod val="65000"/>
+                <a:lumOff val="35000"/>
+              </a:schemeClr>
+            </a:solidFill>
+          </a:ln>
+        </p:spPr>
+        <p:style>
+          <a:lnRef idx="2">
+            <a:schemeClr val="accent1">
+              <a:shade val="50000"/>
+            </a:schemeClr>
+          </a:lnRef>
+          <a:fillRef idx="1">
+            <a:schemeClr val="accent1"/>
+          </a:fillRef>
+          <a:effectRef idx="0">
+            <a:schemeClr val="accent1"/>
+          </a:effectRef>
+          <a:fontRef idx="minor">
+            <a:schemeClr val="lt1"/>
+          </a:fontRef>
+        </p:style>
+        <p:txBody>
+          <a:bodyPr rtlCol="0" anchor="ctr"/>
+          <a:lstStyle/>
+          <a:p>
+            <a:pPr algn="ctr"/>
+            <a:endParaRPr lang="en-US"/>
+          </a:p>
+        </p:txBody>
+      </p:sp>
+    </p:spTree>
+    <p:extLst>
+      <p:ext uri="{BB962C8B-B14F-4D97-AF65-F5344CB8AC3E}">
+        <p14:creationId xmlns:p14="http://schemas.microsoft.com/office/powerpoint/2010/main" val="3317216891"/>
+      </p:ext>
+    </p:extLst>
+  </p:cSld>
+  <p:clrMapOvr>
+    <a:masterClrMapping/>
+  </p:clrMapOvr>
+</p:sld>
+</file>
+
+<file path=ppt/slides/slide2.xml><?xml version="1.0" encoding="utf-8"?>
+<p:sld xmlns:a="http://schemas.openxmlformats.org/drawingml/2006/main" xmlns:r="http://schemas.openxmlformats.org/officeDocument/2006/relationships" xmlns:p="http://schemas.openxmlformats.org/presentationml/2006/main">
+  <p:cSld>
+    <p:spTree>
+      <p:nvGrpSpPr>
+        <p:cNvPr id="1" name=""/>
+        <p:cNvGrpSpPr/>
+        <p:nvPr/>
+      </p:nvGrpSpPr>
+      <p:grpSpPr>
+        <a:xfrm>
+          <a:off x="0" y="0"/>
+          <a:ext cx="0" cy="0"/>
+          <a:chOff x="0" y="0"/>
+          <a:chExt cx="0" cy="0"/>
+        </a:xfrm>
+      </p:grpSpPr>
+      <p:grpSp>
+        <p:nvGrpSpPr>
+          <p:cNvPr id="2" name="グループ化 1"/>
+          <p:cNvGrpSpPr/>
+          <p:nvPr/>
+        </p:nvGrpSpPr>
+        <p:grpSpPr>
+          <a:xfrm>
+            <a:off x="3343712" y="2212389"/>
+            <a:ext cx="3038796" cy="1224455"/>
+            <a:chOff x="3343712" y="2212389"/>
+            <a:chExt cx="3038796" cy="1224455"/>
+          </a:xfrm>
+        </p:grpSpPr>
+        <p:pic>
+          <p:nvPicPr>
+            <p:cNvPr id="19" name="図 18"/>
+            <p:cNvPicPr>
+              <a:picLocks noChangeAspect="1"/>
+            </p:cNvPicPr>
+            <p:nvPr/>
+          </p:nvPicPr>
+          <p:blipFill>
+            <a:blip r:embed="rId2">
+              <a:extLst>
+                <a:ext uri="{BEBA8EAE-BF5A-486C-A8C5-ECC9F3942E4B}">
+                  <a14:imgProps xmlns:a14="http://schemas.microsoft.com/office/drawing/2010/main">
+                    <a14:imgLayer r:embed="rId3">
+                      <a14:imgEffect>
+                        <a14:saturation sat="0"/>
+                      </a14:imgEffect>
+                    </a14:imgLayer>
+                  </a14:imgProps>
+                </a:ext>
+              </a:extLst>
+            </a:blip>
+            <a:stretch>
+              <a:fillRect/>
+            </a:stretch>
+          </p:blipFill>
+          <p:spPr>
+            <a:xfrm>
+              <a:off x="3343712" y="2763747"/>
+              <a:ext cx="1126739" cy="640080"/>
+            </a:xfrm>
+            <a:prstGeom prst="rect">
+              <a:avLst/>
+            </a:prstGeom>
+          </p:spPr>
+        </p:pic>
+        <p:sp>
+          <p:nvSpPr>
             <p:cNvPr id="7" name="テキスト ボックス 6"/>
             <p:cNvSpPr txBox="1"/>
             <p:nvPr/>
           </p:nvSpPr>
           <p:spPr>
             <a:xfrm>
-              <a:off x="3371852" y="1869656"/>
+              <a:off x="3371852" y="2388347"/>
               <a:ext cx="890437" cy="276999"/>
             </a:xfrm>
             <a:prstGeom prst="rect">
@@ -3360,10 +3883,6 @@
                 </a:rPr>
                 <a:t>Toilet bowl</a:t>
               </a:r>
-              <a:endParaRPr lang="en-US" sz="1200" dirty="0" smtClean="0">
-                <a:latin typeface="Times New Roman" panose="02020603050405020304" pitchFamily="18" charset="0"/>
-                <a:cs typeface="Times New Roman" panose="02020603050405020304" pitchFamily="18" charset="0"/>
-              </a:endParaRPr>
             </a:p>
           </p:txBody>
         </p:sp>
@@ -3599,8 +4118,8 @@
           </p:nvSpPr>
           <p:spPr>
             <a:xfrm>
-              <a:off x="4800384" y="2212389"/>
-              <a:ext cx="415498" cy="276999"/>
+              <a:off x="4677585" y="2212389"/>
+              <a:ext cx="655949" cy="276999"/>
             </a:xfrm>
             <a:prstGeom prst="rect">
               <a:avLst/>
@@ -3618,7 +4137,7 @@
                   <a:latin typeface="Times New Roman" panose="02020603050405020304" pitchFamily="18" charset="0"/>
                   <a:cs typeface="Times New Roman" panose="02020603050405020304" pitchFamily="18" charset="0"/>
                 </a:rPr>
-                <a:t>800</a:t>
+                <a:t>800mm</a:t>
               </a:r>
               <a:endParaRPr lang="en-US" sz="1200" dirty="0">
                 <a:latin typeface="Times New Roman" panose="02020603050405020304" pitchFamily="18" charset="0"/>
@@ -3663,39 +4182,6 @@
             </a:p>
           </p:txBody>
         </p:sp>
-        <p:sp>
-          <p:nvSpPr>
-            <p:cNvPr id="23" name="テキスト ボックス 22"/>
-            <p:cNvSpPr txBox="1"/>
-            <p:nvPr/>
-          </p:nvSpPr>
-          <p:spPr>
-            <a:xfrm>
-              <a:off x="5521375" y="3500194"/>
-              <a:ext cx="861133" cy="276999"/>
-            </a:xfrm>
-            <a:prstGeom prst="rect">
-              <a:avLst/>
-            </a:prstGeom>
-            <a:noFill/>
-          </p:spPr>
-          <p:txBody>
-            <a:bodyPr wrap="none" rtlCol="0">
-              <a:spAutoFit/>
-            </a:bodyPr>
-            <a:lstStyle/>
-            <a:p>
-              <a:r>
-                <a:rPr lang="en-US" sz="1200" dirty="0" smtClean="0">
-                  <a:latin typeface="Times New Roman" panose="02020603050405020304" pitchFamily="18" charset="0"/>
-                  <a:cs typeface="Times New Roman" panose="02020603050405020304" pitchFamily="18" charset="0"/>
-                </a:rPr>
-                <a:t>Units[mm]</a:t>
-              </a:r>
-              <a:endParaRPr lang="en-US" dirty="0"/>
-            </a:p>
-          </p:txBody>
-        </p:sp>
         <p:cxnSp>
           <p:nvCxnSpPr>
             <p:cNvPr id="17" name="直線コネクタ 16"/>
@@ -3732,64 +4218,6 @@
             </a:fontRef>
           </p:style>
         </p:cxnSp>
-        <p:sp>
-          <p:nvSpPr>
-            <p:cNvPr id="25" name="角丸四角形 24"/>
-            <p:cNvSpPr/>
-            <p:nvPr/>
-          </p:nvSpPr>
-          <p:spPr>
-            <a:xfrm rot="15603807">
-              <a:off x="2687166" y="2173701"/>
-              <a:ext cx="983504" cy="219448"/>
-            </a:xfrm>
-            <a:prstGeom prst="roundRect">
-              <a:avLst/>
-            </a:prstGeom>
-            <a:pattFill prst="pct30">
-              <a:fgClr>
-                <a:schemeClr val="bg1">
-                  <a:lumMod val="50000"/>
-                </a:schemeClr>
-              </a:fgClr>
-              <a:bgClr>
-                <a:schemeClr val="bg1"/>
-              </a:bgClr>
-            </a:pattFill>
-            <a:ln>
-              <a:solidFill>
-                <a:schemeClr val="tx1">
-                  <a:lumMod val="65000"/>
-                  <a:lumOff val="35000"/>
-                </a:schemeClr>
-              </a:solidFill>
-            </a:ln>
-          </p:spPr>
-          <p:style>
-            <a:lnRef idx="2">
-              <a:schemeClr val="accent1">
-                <a:shade val="50000"/>
-              </a:schemeClr>
-            </a:lnRef>
-            <a:fillRef idx="1">
-              <a:schemeClr val="accent1"/>
-            </a:fillRef>
-            <a:effectRef idx="0">
-              <a:schemeClr val="accent1"/>
-            </a:effectRef>
-            <a:fontRef idx="minor">
-              <a:schemeClr val="lt1"/>
-            </a:fontRef>
-          </p:style>
-          <p:txBody>
-            <a:bodyPr rtlCol="0" anchor="ctr"/>
-            <a:lstStyle/>
-            <a:p>
-              <a:pPr algn="ctr"/>
-              <a:endParaRPr lang="en-US"/>
-            </a:p>
-          </p:txBody>
-        </p:sp>
       </p:grpSp>
     </p:spTree>
     <p:extLst>
@@ -3811,7 +4239,7 @@
 </p:sld>
 </file>
 
-<file path=ppt/slides/slide2.xml><?xml version="1.0" encoding="utf-8"?>
+<file path=ppt/slides/slide3.xml><?xml version="1.0" encoding="utf-8"?>
 <p:sld xmlns:a="http://schemas.openxmlformats.org/drawingml/2006/main" xmlns:r="http://schemas.openxmlformats.org/officeDocument/2006/relationships" xmlns:p="http://schemas.openxmlformats.org/presentationml/2006/main">
   <p:cSld>
     <p:spTree>
@@ -3830,76 +4258,54 @@
       </p:grpSpPr>
       <p:grpSp>
         <p:nvGrpSpPr>
-          <p:cNvPr id="12" name="グループ化 11"/>
+          <p:cNvPr id="2" name="グループ化 1"/>
           <p:cNvGrpSpPr/>
           <p:nvPr/>
         </p:nvGrpSpPr>
         <p:grpSpPr>
           <a:xfrm>
-            <a:off x="2807224" y="1791673"/>
-            <a:ext cx="2226397" cy="2589189"/>
-            <a:chOff x="2807224" y="1791673"/>
-            <a:chExt cx="2226397" cy="2589189"/>
+            <a:off x="3343712" y="2151894"/>
+            <a:ext cx="1689909" cy="1892089"/>
+            <a:chOff x="3343712" y="2151894"/>
+            <a:chExt cx="1689909" cy="1892089"/>
           </a:xfrm>
         </p:grpSpPr>
-        <p:sp>
-          <p:nvSpPr>
-            <p:cNvPr id="51" name="角丸四角形 50"/>
-            <p:cNvSpPr/>
+        <p:pic>
+          <p:nvPicPr>
+            <p:cNvPr id="18" name="図 17"/>
+            <p:cNvPicPr>
+              <a:picLocks noChangeAspect="1"/>
+            </p:cNvPicPr>
             <p:nvPr/>
-          </p:nvSpPr>
+          </p:nvPicPr>
+          <p:blipFill>
+            <a:blip r:embed="rId2">
+              <a:extLst>
+                <a:ext uri="{BEBA8EAE-BF5A-486C-A8C5-ECC9F3942E4B}">
+                  <a14:imgProps xmlns:a14="http://schemas.microsoft.com/office/drawing/2010/main">
+                    <a14:imgLayer r:embed="rId3">
+                      <a14:imgEffect>
+                        <a14:saturation sat="0"/>
+                      </a14:imgEffect>
+                    </a14:imgLayer>
+                  </a14:imgProps>
+                </a:ext>
+              </a:extLst>
+            </a:blip>
+            <a:stretch>
+              <a:fillRect/>
+            </a:stretch>
+          </p:blipFill>
           <p:spPr>
             <a:xfrm>
-              <a:off x="2807224" y="2763747"/>
-              <a:ext cx="1554480" cy="640080"/>
+              <a:off x="3343712" y="2751048"/>
+              <a:ext cx="1126739" cy="640080"/>
             </a:xfrm>
-            <a:prstGeom prst="roundRect">
+            <a:prstGeom prst="rect">
               <a:avLst/>
             </a:prstGeom>
-            <a:pattFill prst="pct30">
-              <a:fgClr>
-                <a:schemeClr val="bg1">
-                  <a:lumMod val="50000"/>
-                </a:schemeClr>
-              </a:fgClr>
-              <a:bgClr>
-                <a:schemeClr val="bg1"/>
-              </a:bgClr>
-            </a:pattFill>
-            <a:ln>
-              <a:solidFill>
-                <a:schemeClr val="tx1">
-                  <a:lumMod val="65000"/>
-                  <a:lumOff val="35000"/>
-                </a:schemeClr>
-              </a:solidFill>
-            </a:ln>
           </p:spPr>
-          <p:style>
-            <a:lnRef idx="2">
-              <a:schemeClr val="accent1">
-                <a:shade val="50000"/>
-              </a:schemeClr>
-            </a:lnRef>
-            <a:fillRef idx="1">
-              <a:schemeClr val="accent1"/>
-            </a:fillRef>
-            <a:effectRef idx="0">
-              <a:schemeClr val="accent1"/>
-            </a:effectRef>
-            <a:fontRef idx="minor">
-              <a:schemeClr val="lt1"/>
-            </a:fontRef>
-          </p:style>
-          <p:txBody>
-            <a:bodyPr rtlCol="0" anchor="ctr"/>
-            <a:lstStyle/>
-            <a:p>
-              <a:pPr algn="ctr"/>
-              <a:endParaRPr lang="en-US"/>
-            </a:p>
-          </p:txBody>
-        </p:sp>
+        </p:pic>
         <p:sp>
           <p:nvSpPr>
             <p:cNvPr id="52" name="テキスト ボックス 51"/>
@@ -3908,7 +4314,7 @@
           </p:nvSpPr>
           <p:spPr>
             <a:xfrm>
-              <a:off x="3371852" y="1869656"/>
+              <a:off x="3431897" y="2411619"/>
               <a:ext cx="890437" cy="276999"/>
             </a:xfrm>
             <a:prstGeom prst="rect">
@@ -3929,10 +4335,6 @@
                 </a:rPr>
                 <a:t>Toilet bowl</a:t>
               </a:r>
-              <a:endParaRPr lang="en-US" sz="1200" dirty="0" smtClean="0">
-                <a:latin typeface="Times New Roman" panose="02020603050405020304" pitchFamily="18" charset="0"/>
-                <a:cs typeface="Times New Roman" panose="02020603050405020304" pitchFamily="18" charset="0"/>
-              </a:endParaRPr>
             </a:p>
           </p:txBody>
         </p:sp>
@@ -4168,8 +4570,8 @@
           </p:nvSpPr>
           <p:spPr>
             <a:xfrm>
-              <a:off x="4287845" y="3766984"/>
-              <a:ext cx="338554" cy="276999"/>
+              <a:off x="4180948" y="3766984"/>
+              <a:ext cx="579005" cy="276999"/>
             </a:xfrm>
             <a:prstGeom prst="rect">
               <a:avLst/>
@@ -4187,7 +4589,7 @@
                   <a:latin typeface="Times New Roman" panose="02020603050405020304" pitchFamily="18" charset="0"/>
                   <a:cs typeface="Times New Roman" panose="02020603050405020304" pitchFamily="18" charset="0"/>
                 </a:rPr>
-                <a:t>75</a:t>
+                <a:t>75mm</a:t>
               </a:r>
               <a:endParaRPr lang="en-US" sz="1200" dirty="0">
                 <a:latin typeface="Times New Roman" panose="02020603050405020304" pitchFamily="18" charset="0"/>
@@ -4232,45 +4634,10 @@
             </a:p>
           </p:txBody>
         </p:sp>
-        <p:sp>
-          <p:nvSpPr>
-            <p:cNvPr id="61" name="テキスト ボックス 60"/>
-            <p:cNvSpPr txBox="1"/>
-            <p:nvPr/>
-          </p:nvSpPr>
-          <p:spPr>
-            <a:xfrm>
-              <a:off x="4169989" y="4103863"/>
-              <a:ext cx="861133" cy="276999"/>
-            </a:xfrm>
-            <a:prstGeom prst="rect">
-              <a:avLst/>
-            </a:prstGeom>
-            <a:noFill/>
-          </p:spPr>
-          <p:txBody>
-            <a:bodyPr wrap="none" rtlCol="0">
-              <a:spAutoFit/>
-            </a:bodyPr>
-            <a:lstStyle/>
-            <a:p>
-              <a:r>
-                <a:rPr lang="en-US" sz="1200" dirty="0" smtClean="0">
-                  <a:latin typeface="Times New Roman" panose="02020603050405020304" pitchFamily="18" charset="0"/>
-                  <a:cs typeface="Times New Roman" panose="02020603050405020304" pitchFamily="18" charset="0"/>
-                </a:rPr>
-                <a:t>Units[mm]</a:t>
-              </a:r>
-              <a:endParaRPr lang="en-US" dirty="0"/>
-            </a:p>
-          </p:txBody>
-        </p:sp>
         <p:cxnSp>
           <p:nvCxnSpPr>
             <p:cNvPr id="62" name="直線コネクタ 61"/>
-            <p:cNvCxnSpPr>
-              <a:stCxn id="51" idx="0"/>
-            </p:cNvCxnSpPr>
+            <p:cNvCxnSpPr/>
             <p:nvPr/>
           </p:nvCxnSpPr>
           <p:spPr>
@@ -4303,64 +4670,6 @@
             </a:fontRef>
           </p:style>
         </p:cxnSp>
-        <p:sp>
-          <p:nvSpPr>
-            <p:cNvPr id="63" name="角丸四角形 62"/>
-            <p:cNvSpPr/>
-            <p:nvPr/>
-          </p:nvSpPr>
-          <p:spPr>
-            <a:xfrm rot="15603807">
-              <a:off x="2687166" y="2173701"/>
-              <a:ext cx="983504" cy="219448"/>
-            </a:xfrm>
-            <a:prstGeom prst="roundRect">
-              <a:avLst/>
-            </a:prstGeom>
-            <a:pattFill prst="pct30">
-              <a:fgClr>
-                <a:schemeClr val="bg1">
-                  <a:lumMod val="50000"/>
-                </a:schemeClr>
-              </a:fgClr>
-              <a:bgClr>
-                <a:schemeClr val="bg1"/>
-              </a:bgClr>
-            </a:pattFill>
-            <a:ln>
-              <a:solidFill>
-                <a:schemeClr val="tx1">
-                  <a:lumMod val="65000"/>
-                  <a:lumOff val="35000"/>
-                </a:schemeClr>
-              </a:solidFill>
-            </a:ln>
-          </p:spPr>
-          <p:style>
-            <a:lnRef idx="2">
-              <a:schemeClr val="accent1">
-                <a:shade val="50000"/>
-              </a:schemeClr>
-            </a:lnRef>
-            <a:fillRef idx="1">
-              <a:schemeClr val="accent1"/>
-            </a:fillRef>
-            <a:effectRef idx="0">
-              <a:schemeClr val="accent1"/>
-            </a:effectRef>
-            <a:fontRef idx="minor">
-              <a:schemeClr val="lt1"/>
-            </a:fontRef>
-          </p:style>
-          <p:txBody>
-            <a:bodyPr rtlCol="0" anchor="ctr"/>
-            <a:lstStyle/>
-            <a:p>
-              <a:pPr algn="ctr"/>
-              <a:endParaRPr lang="en-US"/>
-            </a:p>
-          </p:txBody>
-        </p:sp>
         <p:cxnSp>
           <p:nvCxnSpPr>
             <p:cNvPr id="64" name="直線コネクタ 63"/>
@@ -4456,7 +4765,7 @@
 </p:sld>
 </file>
 
-<file path=ppt/slides/slide3.xml><?xml version="1.0" encoding="utf-8"?>
+<file path=ppt/slides/slide4.xml><?xml version="1.0" encoding="utf-8"?>
 <p:sld xmlns:a="http://schemas.openxmlformats.org/drawingml/2006/main" xmlns:r="http://schemas.openxmlformats.org/officeDocument/2006/relationships" xmlns:p="http://schemas.openxmlformats.org/presentationml/2006/main">
   <p:cSld>
     <p:spTree>
@@ -4475,76 +4784,54 @@
       </p:grpSpPr>
       <p:grpSp>
         <p:nvGrpSpPr>
-          <p:cNvPr id="84" name="グループ化 83"/>
+          <p:cNvPr id="2" name="グループ化 1"/>
           <p:cNvGrpSpPr/>
           <p:nvPr/>
         </p:nvGrpSpPr>
         <p:grpSpPr>
           <a:xfrm>
-            <a:off x="2086586" y="996155"/>
-            <a:ext cx="3105062" cy="2752260"/>
-            <a:chOff x="2086586" y="996155"/>
-            <a:chExt cx="3105062" cy="2752260"/>
+            <a:off x="2086587" y="996155"/>
+            <a:ext cx="3105061" cy="2407672"/>
+            <a:chOff x="2086587" y="996155"/>
+            <a:chExt cx="3105061" cy="2407672"/>
           </a:xfrm>
         </p:grpSpPr>
-        <p:sp>
-          <p:nvSpPr>
-            <p:cNvPr id="44" name="角丸四角形 43"/>
-            <p:cNvSpPr/>
+        <p:pic>
+          <p:nvPicPr>
+            <p:cNvPr id="19" name="図 18"/>
+            <p:cNvPicPr>
+              <a:picLocks noChangeAspect="1"/>
+            </p:cNvPicPr>
             <p:nvPr/>
-          </p:nvSpPr>
+          </p:nvPicPr>
+          <p:blipFill>
+            <a:blip r:embed="rId2">
+              <a:extLst>
+                <a:ext uri="{BEBA8EAE-BF5A-486C-A8C5-ECC9F3942E4B}">
+                  <a14:imgProps xmlns:a14="http://schemas.microsoft.com/office/drawing/2010/main">
+                    <a14:imgLayer r:embed="rId3">
+                      <a14:imgEffect>
+                        <a14:saturation sat="0"/>
+                      </a14:imgEffect>
+                    </a14:imgLayer>
+                  </a14:imgProps>
+                </a:ext>
+              </a:extLst>
+            </a:blip>
+            <a:stretch>
+              <a:fillRect/>
+            </a:stretch>
+          </p:blipFill>
           <p:spPr>
             <a:xfrm>
-              <a:off x="2807224" y="2763747"/>
-              <a:ext cx="1554480" cy="640080"/>
+              <a:off x="3010707" y="2763747"/>
+              <a:ext cx="1126739" cy="640080"/>
             </a:xfrm>
-            <a:prstGeom prst="roundRect">
+            <a:prstGeom prst="rect">
               <a:avLst/>
             </a:prstGeom>
-            <a:pattFill prst="pct30">
-              <a:fgClr>
-                <a:schemeClr val="bg1">
-                  <a:lumMod val="50000"/>
-                </a:schemeClr>
-              </a:fgClr>
-              <a:bgClr>
-                <a:schemeClr val="bg1"/>
-              </a:bgClr>
-            </a:pattFill>
-            <a:ln>
-              <a:solidFill>
-                <a:schemeClr val="tx1">
-                  <a:lumMod val="65000"/>
-                  <a:lumOff val="35000"/>
-                </a:schemeClr>
-              </a:solidFill>
-            </a:ln>
           </p:spPr>
-          <p:style>
-            <a:lnRef idx="2">
-              <a:schemeClr val="accent1">
-                <a:shade val="50000"/>
-              </a:schemeClr>
-            </a:lnRef>
-            <a:fillRef idx="1">
-              <a:schemeClr val="accent1"/>
-            </a:fillRef>
-            <a:effectRef idx="0">
-              <a:schemeClr val="accent1"/>
-            </a:effectRef>
-            <a:fontRef idx="minor">
-              <a:schemeClr val="lt1"/>
-            </a:fontRef>
-          </p:style>
-          <p:txBody>
-            <a:bodyPr rtlCol="0" anchor="ctr"/>
-            <a:lstStyle/>
-            <a:p>
-              <a:pPr algn="ctr"/>
-              <a:endParaRPr lang="en-US"/>
-            </a:p>
-          </p:txBody>
-        </p:sp>
+        </p:pic>
         <p:sp>
           <p:nvSpPr>
             <p:cNvPr id="45" name="テキスト ボックス 44"/>
@@ -4553,7 +4840,7 @@
           </p:nvSpPr>
           <p:spPr>
             <a:xfrm>
-              <a:off x="3371852" y="1869656"/>
+              <a:off x="3732998" y="2518029"/>
               <a:ext cx="890437" cy="276999"/>
             </a:xfrm>
             <a:prstGeom prst="rect">
@@ -4574,10 +4861,6 @@
                 </a:rPr>
                 <a:t>Toilet bowl</a:t>
               </a:r>
-              <a:endParaRPr lang="en-US" sz="1200" dirty="0" smtClean="0">
-                <a:latin typeface="Times New Roman" panose="02020603050405020304" pitchFamily="18" charset="0"/>
-                <a:cs typeface="Times New Roman" panose="02020603050405020304" pitchFamily="18" charset="0"/>
-              </a:endParaRPr>
             </a:p>
           </p:txBody>
         </p:sp>
@@ -4695,39 +4978,6 @@
             </a:p>
           </p:txBody>
         </p:sp>
-        <p:sp>
-          <p:nvSpPr>
-            <p:cNvPr id="54" name="テキスト ボックス 53"/>
-            <p:cNvSpPr txBox="1"/>
-            <p:nvPr/>
-          </p:nvSpPr>
-          <p:spPr>
-            <a:xfrm>
-              <a:off x="4084293" y="3471416"/>
-              <a:ext cx="861133" cy="276999"/>
-            </a:xfrm>
-            <a:prstGeom prst="rect">
-              <a:avLst/>
-            </a:prstGeom>
-            <a:noFill/>
-          </p:spPr>
-          <p:txBody>
-            <a:bodyPr wrap="none" rtlCol="0">
-              <a:spAutoFit/>
-            </a:bodyPr>
-            <a:lstStyle/>
-            <a:p>
-              <a:r>
-                <a:rPr lang="en-US" sz="1200" dirty="0" smtClean="0">
-                  <a:latin typeface="Times New Roman" panose="02020603050405020304" pitchFamily="18" charset="0"/>
-                  <a:cs typeface="Times New Roman" panose="02020603050405020304" pitchFamily="18" charset="0"/>
-                </a:rPr>
-                <a:t>Units[mm]</a:t>
-              </a:r>
-              <a:endParaRPr lang="en-US" dirty="0"/>
-            </a:p>
-          </p:txBody>
-        </p:sp>
         <p:cxnSp>
           <p:nvCxnSpPr>
             <p:cNvPr id="55" name="直線コネクタ 54"/>
@@ -4764,64 +5014,6 @@
             </a:fontRef>
           </p:style>
         </p:cxnSp>
-        <p:sp>
-          <p:nvSpPr>
-            <p:cNvPr id="56" name="角丸四角形 55"/>
-            <p:cNvSpPr/>
-            <p:nvPr/>
-          </p:nvSpPr>
-          <p:spPr>
-            <a:xfrm rot="15603807">
-              <a:off x="2687166" y="2173701"/>
-              <a:ext cx="983504" cy="219448"/>
-            </a:xfrm>
-            <a:prstGeom prst="roundRect">
-              <a:avLst/>
-            </a:prstGeom>
-            <a:pattFill prst="pct30">
-              <a:fgClr>
-                <a:schemeClr val="bg1">
-                  <a:lumMod val="50000"/>
-                </a:schemeClr>
-              </a:fgClr>
-              <a:bgClr>
-                <a:schemeClr val="bg1"/>
-              </a:bgClr>
-            </a:pattFill>
-            <a:ln>
-              <a:solidFill>
-                <a:schemeClr val="tx1">
-                  <a:lumMod val="65000"/>
-                  <a:lumOff val="35000"/>
-                </a:schemeClr>
-              </a:solidFill>
-            </a:ln>
-          </p:spPr>
-          <p:style>
-            <a:lnRef idx="2">
-              <a:schemeClr val="accent1">
-                <a:shade val="50000"/>
-              </a:schemeClr>
-            </a:lnRef>
-            <a:fillRef idx="1">
-              <a:schemeClr val="accent1"/>
-            </a:fillRef>
-            <a:effectRef idx="0">
-              <a:schemeClr val="accent1"/>
-            </a:effectRef>
-            <a:fontRef idx="minor">
-              <a:schemeClr val="lt1"/>
-            </a:fontRef>
-          </p:style>
-          <p:txBody>
-            <a:bodyPr rtlCol="0" anchor="ctr"/>
-            <a:lstStyle/>
-            <a:p>
-              <a:pPr algn="ctr"/>
-              <a:endParaRPr lang="en-US"/>
-            </a:p>
-          </p:txBody>
-        </p:sp>
         <p:grpSp>
           <p:nvGrpSpPr>
             <p:cNvPr id="46" name="グループ化 45"/>
@@ -5101,8 +5293,8 @@
           </p:nvSpPr>
           <p:spPr>
             <a:xfrm rot="16200000">
-              <a:off x="1981718" y="2337490"/>
-              <a:ext cx="486736" cy="276999"/>
+              <a:off x="1861493" y="2337490"/>
+              <a:ext cx="727187" cy="276999"/>
             </a:xfrm>
             <a:prstGeom prst="rect">
               <a:avLst/>
@@ -5120,7 +5312,7 @@
                   <a:latin typeface="Times New Roman" panose="02020603050405020304" pitchFamily="18" charset="0"/>
                   <a:cs typeface="Times New Roman" panose="02020603050405020304" pitchFamily="18" charset="0"/>
                 </a:rPr>
-                <a:t>1100</a:t>
+                <a:t>1100mm</a:t>
               </a:r>
               <a:endParaRPr lang="en-US" sz="1200" dirty="0">
                 <a:latin typeface="Times New Roman" panose="02020603050405020304" pitchFamily="18" charset="0"/>
@@ -5147,6 +5339,72 @@
       </p:par>
     </p:tnLst>
   </p:timing>
+</p:sld>
+</file>
+
+<file path=ppt/slides/slide5.xml><?xml version="1.0" encoding="utf-8"?>
+<p:sld xmlns:a="http://schemas.openxmlformats.org/drawingml/2006/main" xmlns:r="http://schemas.openxmlformats.org/officeDocument/2006/relationships" xmlns:p="http://schemas.openxmlformats.org/presentationml/2006/main">
+  <p:cSld>
+    <p:spTree>
+      <p:nvGrpSpPr>
+        <p:cNvPr id="1" name=""/>
+        <p:cNvGrpSpPr/>
+        <p:nvPr/>
+      </p:nvGrpSpPr>
+      <p:grpSpPr>
+        <a:xfrm>
+          <a:off x="0" y="0"/>
+          <a:ext cx="0" cy="0"/>
+          <a:chOff x="0" y="0"/>
+          <a:chExt cx="0" cy="0"/>
+        </a:xfrm>
+      </p:grpSpPr>
+      <p:pic>
+        <p:nvPicPr>
+          <p:cNvPr id="2" name="図 1"/>
+          <p:cNvPicPr>
+            <a:picLocks noChangeAspect="1"/>
+          </p:cNvPicPr>
+          <p:nvPr/>
+        </p:nvPicPr>
+        <p:blipFill>
+          <a:blip r:embed="rId2">
+            <a:extLst>
+              <a:ext uri="{BEBA8EAE-BF5A-486C-A8C5-ECC9F3942E4B}">
+                <a14:imgProps xmlns:a14="http://schemas.microsoft.com/office/drawing/2010/main">
+                  <a14:imgLayer r:embed="rId3">
+                    <a14:imgEffect>
+                      <a14:saturation sat="0"/>
+                    </a14:imgEffect>
+                  </a14:imgLayer>
+                </a14:imgProps>
+              </a:ext>
+            </a:extLst>
+          </a:blip>
+          <a:stretch>
+            <a:fillRect/>
+          </a:stretch>
+        </p:blipFill>
+        <p:spPr>
+          <a:xfrm>
+            <a:off x="2709011" y="1109713"/>
+            <a:ext cx="1126739" cy="640080"/>
+          </a:xfrm>
+          <a:prstGeom prst="rect">
+            <a:avLst/>
+          </a:prstGeom>
+        </p:spPr>
+      </p:pic>
+    </p:spTree>
+    <p:extLst>
+      <p:ext uri="{BB962C8B-B14F-4D97-AF65-F5344CB8AC3E}">
+        <p14:creationId xmlns:p14="http://schemas.microsoft.com/office/powerpoint/2010/main" val="1426325179"/>
+      </p:ext>
+    </p:extLst>
+  </p:cSld>
+  <p:clrMapOvr>
+    <a:masterClrMapping/>
+  </p:clrMapOvr>
 </p:sld>
 </file>
 
